--- a/Dreamer.pptx
+++ b/Dreamer.pptx
@@ -107,6 +107,11 @@
       </a:defRPr>
     </a:lvl9pPr>
   </p:defaultTextStyle>
+  <p:extLst>
+    <p:ext uri="{EFAFB233-063F-42B5-8137-9DF3F51BA10A}">
+      <p15:sldGuideLst xmlns:p15="http://schemas.microsoft.com/office/powerpoint/2012/main"/>
+    </p:ext>
+  </p:extLst>
 </p:presentation>
 </file>
 
@@ -4714,7 +4719,29 @@
                           <a:ea typeface="+mn-ea"/>
                           <a:cs typeface="+mn-cs"/>
                         </a:rPr>
-                        <a:t>확인 후 체크해 </a:t>
+                        <a:t>확인 후 체크해 주세요</a:t>
+                      </a:r>
+                      <a:r>
+                        <a:rPr lang="en-US" altLang="ko-KR" sz="1200" b="0" kern="1200" smtClean="0">
+                          <a:solidFill>
+                            <a:schemeClr val="tx1"/>
+                          </a:solidFill>
+                          <a:latin typeface="+mn-lt"/>
+                          <a:ea typeface="+mn-ea"/>
+                          <a:cs typeface="+mn-cs"/>
+                        </a:rPr>
+                        <a:t>. (</a:t>
+                      </a:r>
+                      <a:r>
+                        <a:rPr lang="ko-KR" altLang="en-US" sz="1200" b="0" kern="1200" baseline="0" smtClean="0">
+                          <a:solidFill>
+                            <a:schemeClr val="tx1"/>
+                          </a:solidFill>
+                          <a:latin typeface="+mn-lt"/>
+                          <a:ea typeface="+mn-ea"/>
+                          <a:cs typeface="+mn-cs"/>
+                        </a:rPr>
+                        <a:t>        </a:t>
                       </a:r>
                       <a:r>
                         <a:rPr lang="ko-KR" altLang="en-US" sz="1200" b="0" kern="1200" smtClean="0">
@@ -4725,7 +4752,7 @@
                           <a:ea typeface="+mn-ea"/>
                           <a:cs typeface="+mn-cs"/>
                         </a:rPr>
-                        <a:t>주세요</a:t>
+                        <a:t>아이콘 활용</a:t>
                       </a:r>
                       <a:r>
                         <a:rPr lang="en-US" altLang="ko-KR" sz="1200" b="0" kern="1200" smtClean="0">
@@ -4736,7 +4763,7 @@
                           <a:ea typeface="+mn-ea"/>
                           <a:cs typeface="+mn-cs"/>
                         </a:rPr>
-                        <a:t>. (</a:t>
+                        <a:t>)   </a:t>
                       </a:r>
                       <a:r>
                         <a:rPr lang="ko-KR" altLang="en-US" sz="1200" b="0" kern="1200" baseline="0" smtClean="0">
@@ -4747,7 +4774,18 @@
                           <a:ea typeface="+mn-ea"/>
                           <a:cs typeface="+mn-cs"/>
                         </a:rPr>
-                        <a:t>        </a:t>
+                        <a:t>□ </a:t>
+                      </a:r>
+                      <a:r>
+                        <a:rPr lang="en-US" altLang="ko-KR" sz="1200" b="0" kern="1200" smtClean="0">
+                          <a:solidFill>
+                            <a:schemeClr val="tx1"/>
+                          </a:solidFill>
+                          <a:latin typeface="+mn-lt"/>
+                          <a:ea typeface="+mn-ea"/>
+                          <a:cs typeface="+mn-cs"/>
+                        </a:rPr>
+                        <a:t>LP</a:t>
                       </a:r>
                       <a:r>
                         <a:rPr lang="ko-KR" altLang="en-US" sz="1200" b="0" kern="1200" smtClean="0">
@@ -4758,62 +4796,7 @@
                           <a:ea typeface="+mn-ea"/>
                           <a:cs typeface="+mn-cs"/>
                         </a:rPr>
-                        <a:t>아이콘 활용</a:t>
-                      </a:r>
-                      <a:r>
-                        <a:rPr lang="en-US" altLang="ko-KR" sz="1200" b="0" kern="1200" smtClean="0">
-                          <a:solidFill>
-                            <a:schemeClr val="tx1"/>
-                          </a:solidFill>
-                          <a:latin typeface="+mn-lt"/>
-                          <a:ea typeface="+mn-ea"/>
-                          <a:cs typeface="+mn-cs"/>
-                        </a:rPr>
-                        <a:t>)   </a:t>
-                      </a:r>
-                      <a:r>
-                        <a:rPr lang="ko-KR" altLang="en-US" sz="1200" b="0" kern="1200" baseline="0" smtClean="0">
-                          <a:solidFill>
-                            <a:schemeClr val="tx1"/>
-                          </a:solidFill>
-                          <a:latin typeface="+mn-lt"/>
-                          <a:ea typeface="+mn-ea"/>
-                          <a:cs typeface="+mn-cs"/>
-                        </a:rPr>
-                        <a:t>□ </a:t>
-                      </a:r>
-                      <a:r>
-                        <a:rPr lang="en-US" altLang="ko-KR" sz="1200" b="0" kern="1200" smtClean="0">
-                          <a:solidFill>
-                            <a:schemeClr val="tx1"/>
-                          </a:solidFill>
-                          <a:latin typeface="+mn-lt"/>
-                          <a:ea typeface="+mn-ea"/>
-                          <a:cs typeface="+mn-cs"/>
-                        </a:rPr>
-                        <a:t>LP</a:t>
-                      </a:r>
-                      <a:r>
-                        <a:rPr lang="ko-KR" altLang="en-US" sz="1200" b="0" kern="1200" smtClean="0">
-                          <a:solidFill>
-                            <a:schemeClr val="tx1"/>
-                          </a:solidFill>
-                          <a:latin typeface="+mn-lt"/>
-                          <a:ea typeface="+mn-ea"/>
-                          <a:cs typeface="+mn-cs"/>
-                        </a:rPr>
-                        <a:t>에서 </a:t>
-                      </a:r>
-                      <a:r>
-                        <a:rPr lang="ko-KR" altLang="en-US" sz="1200" b="0" kern="1200" smtClean="0">
-                          <a:solidFill>
-                            <a:schemeClr val="tx1"/>
-                          </a:solidFill>
-                          <a:latin typeface="+mn-lt"/>
-                          <a:ea typeface="+mn-ea"/>
-                          <a:cs typeface="+mn-cs"/>
-                        </a:rPr>
-                        <a:t>사전학습을 수료하였습니다</a:t>
+                        <a:t>에서 사전학습을 수료하였습니다</a:t>
                       </a:r>
                       <a:r>
                         <a:rPr lang="en-US" altLang="ko-KR" sz="1200" b="0" kern="1200" smtClean="0">
@@ -5269,7 +5252,11 @@
             <a:graphicFrameLocks noGrp="1"/>
           </p:cNvGraphicFramePr>
           <p:nvPr>
-            <p:extLst/>
+            <p:extLst>
+              <p:ext uri="{D42A27DB-BD31-4B8C-83A1-F6EECF244321}">
+                <p14:modId xmlns:p14="http://schemas.microsoft.com/office/powerpoint/2010/main" val="2960128307"/>
+              </p:ext>
+            </p:extLst>
           </p:nvPr>
         </p:nvGraphicFramePr>
         <p:xfrm>
@@ -5368,12 +5355,122 @@
                     <a:p>
                       <a:pPr algn="l" latinLnBrk="1"/>
                       <a:r>
+                        <a:rPr lang="ko-KR" altLang="en-US" sz="1200" b="1" i="0" kern="1200" smtClean="0">
+                          <a:solidFill>
+                            <a:schemeClr val="tx1"/>
+                          </a:solidFill>
+                          <a:latin typeface="+mn-lt"/>
+                          <a:ea typeface="+mn-ea"/>
+                          <a:cs typeface="+mn-cs"/>
+                        </a:rPr>
+                        <a:t>대상</a:t>
+                      </a:r>
+                      <a:r>
+                        <a:rPr lang="en-US" altLang="ko-KR" sz="1200" b="1" i="0" kern="1200" baseline="0" smtClean="0">
+                          <a:solidFill>
+                            <a:schemeClr val="tx1"/>
+                          </a:solidFill>
+                          <a:latin typeface="+mn-lt"/>
+                          <a:ea typeface="+mn-ea"/>
+                          <a:cs typeface="+mn-cs"/>
+                        </a:rPr>
+                        <a:t> + </a:t>
+                      </a:r>
+                      <a:r>
+                        <a:rPr lang="ko-KR" altLang="en-US" sz="1200" b="1" i="0" kern="1200" baseline="0" smtClean="0">
+                          <a:solidFill>
+                            <a:schemeClr val="tx1"/>
+                          </a:solidFill>
+                          <a:latin typeface="+mn-lt"/>
+                          <a:ea typeface="+mn-ea"/>
+                          <a:cs typeface="+mn-cs"/>
+                        </a:rPr>
+                        <a:t>방법 </a:t>
+                      </a:r>
+                      <a:r>
+                        <a:rPr lang="en-US" altLang="ko-KR" sz="1200" b="1" i="0" kern="1200" baseline="0" smtClean="0">
+                          <a:solidFill>
+                            <a:schemeClr val="tx1"/>
+                          </a:solidFill>
+                          <a:latin typeface="+mn-lt"/>
+                          <a:ea typeface="+mn-ea"/>
+                          <a:cs typeface="+mn-cs"/>
+                        </a:rPr>
+                        <a:t>+ </a:t>
+                      </a:r>
+                      <a:r>
+                        <a:rPr lang="ko-KR" altLang="en-US" sz="1200" b="1" i="0" kern="1200" baseline="0" smtClean="0">
+                          <a:solidFill>
+                            <a:schemeClr val="tx1"/>
+                          </a:solidFill>
+                          <a:latin typeface="+mn-lt"/>
+                          <a:ea typeface="+mn-ea"/>
+                          <a:cs typeface="+mn-cs"/>
+                        </a:rPr>
+                        <a:t>목적</a:t>
+                      </a:r>
+                      <a:r>
+                        <a:rPr lang="en-US" altLang="ko-KR" sz="1200" b="1" i="0" kern="1200" baseline="0" smtClean="0">
+                          <a:solidFill>
+                            <a:schemeClr val="tx1"/>
+                          </a:solidFill>
+                          <a:latin typeface="+mn-lt"/>
+                          <a:ea typeface="+mn-ea"/>
+                          <a:cs typeface="+mn-cs"/>
+                        </a:rPr>
+                        <a:t>(</a:t>
+                      </a:r>
+                      <a:r>
+                        <a:rPr lang="ko-KR" altLang="en-US" sz="1200" b="1" i="0" kern="1200" baseline="0" smtClean="0">
+                          <a:solidFill>
+                            <a:schemeClr val="tx1"/>
+                          </a:solidFill>
+                          <a:latin typeface="+mn-lt"/>
+                          <a:ea typeface="+mn-ea"/>
+                          <a:cs typeface="+mn-cs"/>
+                        </a:rPr>
+                        <a:t>목표</a:t>
+                      </a:r>
+                      <a:r>
+                        <a:rPr lang="en-US" altLang="ko-KR" sz="1200" b="1" i="0" kern="1200" baseline="0" smtClean="0">
+                          <a:solidFill>
+                            <a:schemeClr val="tx1"/>
+                          </a:solidFill>
+                          <a:latin typeface="+mn-lt"/>
+                          <a:ea typeface="+mn-ea"/>
+                          <a:cs typeface="+mn-cs"/>
+                        </a:rPr>
+                        <a:t>)  </a:t>
+                      </a:r>
+                      <a:r>
+                        <a:rPr lang="en-US" altLang="ko-KR" sz="1200" b="0" i="1" kern="1200" smtClean="0">
+                          <a:solidFill>
+                            <a:schemeClr val="tx1"/>
+                          </a:solidFill>
+                          <a:latin typeface="+mn-lt"/>
+                          <a:ea typeface="+mn-ea"/>
+                          <a:cs typeface="+mn-cs"/>
+                        </a:rPr>
+                        <a:t>* </a:t>
+                      </a:r>
+                      <a:r>
+                        <a:rPr lang="ko-KR" altLang="en-US" sz="1200" b="0" i="1" kern="1200" smtClean="0">
+                          <a:solidFill>
+                            <a:schemeClr val="tx1"/>
+                          </a:solidFill>
+                          <a:latin typeface="+mn-lt"/>
+                          <a:ea typeface="+mn-ea"/>
+                          <a:cs typeface="+mn-cs"/>
+                        </a:rPr>
+                        <a:t>문</a:t>
+                      </a:r>
+                      <a:r>
                         <a:rPr lang="ko-KR" altLang="en-US" sz="1200" b="0" i="1" smtClean="0">
                           <a:solidFill>
                             <a:schemeClr val="tx1"/>
                           </a:solidFill>
                         </a:rPr>
-                        <a:t>문제정의</a:t>
+                        <a:t>제정의</a:t>
                       </a:r>
                       <a:r>
                         <a:rPr lang="en-US" altLang="ko-KR" sz="1200" b="0" i="1" smtClean="0">
@@ -5405,23 +5502,7 @@
                             <a:schemeClr val="tx1"/>
                           </a:solidFill>
                         </a:rPr>
-                        <a:t> Point </a:t>
-                      </a:r>
-                      <a:r>
-                        <a:rPr lang="ko-KR" altLang="en-US" sz="1200" b="0" i="1" baseline="0" smtClean="0">
-                          <a:solidFill>
-                            <a:schemeClr val="tx1"/>
-                          </a:solidFill>
-                        </a:rPr>
-                        <a:t>기술</a:t>
-                      </a:r>
-                      <a:r>
-                        <a:rPr lang="en-US" altLang="ko-KR" sz="1200" b="0" i="1" baseline="0" smtClean="0">
-                          <a:solidFill>
-                            <a:schemeClr val="tx1"/>
-                          </a:solidFill>
-                        </a:rPr>
-                        <a:t>)</a:t>
+                        <a:t> Point)</a:t>
                       </a:r>
                       <a:r>
                         <a:rPr lang="ko-KR" altLang="en-US" sz="1200" b="0" i="1" smtClean="0">
@@ -6718,11 +6799,7 @@
             <a:pPr algn="r"/>
             <a:r>
               <a:rPr lang="ko-KR" altLang="en-US" sz="1100" b="1" smtClean="0"/>
-              <a:t>소속사 스마트 </a:t>
-            </a:r>
-            <a:r>
-              <a:rPr lang="ko-KR" altLang="en-US" sz="1100" b="1" smtClean="0"/>
-              <a:t>과제 등으로 이미 제안</a:t>
+              <a:t>소속사 스마트 과제 등으로 이미 제안</a:t>
             </a:r>
             <a:r>
               <a:rPr lang="en-US" altLang="ko-KR" sz="1100" b="1" smtClean="0"/>
@@ -6730,15 +6807,7 @@
             </a:r>
             <a:r>
               <a:rPr lang="ko-KR" altLang="en-US" sz="1100" b="1" smtClean="0"/>
-              <a:t>구현된 </a:t>
-            </a:r>
-            <a:r>
-              <a:rPr lang="ko-KR" altLang="en-US" sz="1100" b="1" smtClean="0"/>
-              <a:t>아이디어는 </a:t>
-            </a:r>
-            <a:r>
-              <a:rPr lang="ko-KR" altLang="en-US" sz="1100" b="1" smtClean="0"/>
-              <a:t>선정되지 않으니 주의하세요</a:t>
+              <a:t>구현된 아이디어는 선정되지 않으니 주의하세요</a:t>
             </a:r>
             <a:r>
               <a:rPr lang="en-US" altLang="ko-KR" sz="1100" b="1"/>
